--- a/assets/workshop_2_sonata.pptx
+++ b/assets/workshop_2_sonata.pptx
@@ -133,7 +133,7 @@
   </p:defaultTextStyle>
   <p:extLst>
     <p:ext uri="{EFAFB233-063F-42B5-8137-9DF3F51BA10A}">
-      <p15:sldGuideLst xmlns="" xmlns:p15="http://schemas.microsoft.com/office/powerpoint/2012/main">
+      <p15:sldGuideLst xmlns:p15="http://schemas.microsoft.com/office/powerpoint/2012/main" xmlns="">
         <p15:guide id="1" orient="horz" pos="2160">
           <p15:clr>
             <a:srgbClr val="A4A3A4"/>
@@ -2562,6 +2562,306 @@
       <dsp:cNvGrpSpPr/>
     </dsp:nvGrpSpPr>
     <dsp:grpSpPr/>
+    <dsp:sp modelId="{34F12148-20CF-4286-85E2-64677F779768}">
+      <dsp:nvSpPr>
+        <dsp:cNvPr id="0" name=""/>
+        <dsp:cNvSpPr/>
+      </dsp:nvSpPr>
+      <dsp:spPr>
+        <a:xfrm>
+          <a:off x="1991359" y="40639"/>
+          <a:ext cx="2113280" cy="2113280"/>
+        </a:xfrm>
+        <a:prstGeom prst="ellipse">
+          <a:avLst/>
+        </a:prstGeom>
+        <a:solidFill>
+          <a:schemeClr val="accent1">
+            <a:alpha val="47000"/>
+          </a:schemeClr>
+        </a:solidFill>
+        <a:ln w="38100" cap="flat" cmpd="sng" algn="ctr">
+          <a:solidFill>
+            <a:schemeClr val="lt1"/>
+          </a:solidFill>
+          <a:prstDash val="solid"/>
+        </a:ln>
+        <a:effectLst>
+          <a:outerShdw blurRad="40000" dist="20000" dir="5400000" rotWithShape="0">
+            <a:srgbClr val="000000">
+              <a:alpha val="38000"/>
+            </a:srgbClr>
+          </a:outerShdw>
+        </a:effectLst>
+      </dsp:spPr>
+      <dsp:style>
+        <a:lnRef idx="3">
+          <a:schemeClr val="lt1"/>
+        </a:lnRef>
+        <a:fillRef idx="1">
+          <a:schemeClr val="accent1"/>
+        </a:fillRef>
+        <a:effectRef idx="1">
+          <a:schemeClr val="accent1"/>
+        </a:effectRef>
+        <a:fontRef idx="minor">
+          <a:schemeClr val="lt1"/>
+        </a:fontRef>
+      </dsp:style>
+      <dsp:txBody>
+        <a:bodyPr spcFirstLastPara="0" vert="horz" wrap="square" lIns="0" tIns="0" rIns="0" bIns="0" numCol="1" spcCol="1270" anchor="ctr" anchorCtr="0">
+          <a:noAutofit/>
+        </a:bodyPr>
+        <a:lstStyle/>
+        <a:p>
+          <a:pPr lvl="0" algn="ctr" defTabSz="1066800">
+            <a:lnSpc>
+              <a:spcPct val="90000"/>
+            </a:lnSpc>
+            <a:spcBef>
+              <a:spcPct val="0"/>
+            </a:spcBef>
+            <a:spcAft>
+              <a:spcPct val="35000"/>
+            </a:spcAft>
+          </a:pPr>
+          <a:r>
+            <a:rPr lang="en-US" sz="2400" kern="1200" dirty="0" smtClean="0"/>
+            <a:t>Overview</a:t>
+          </a:r>
+          <a:endParaRPr lang="en-US" sz="2400" kern="1200" dirty="0"/>
+        </a:p>
+      </dsp:txBody>
+      <dsp:txXfrm>
+        <a:off x="2235200" y="325119"/>
+        <a:ext cx="1625600" cy="670560"/>
+      </dsp:txXfrm>
+    </dsp:sp>
+    <dsp:sp modelId="{825E7BAD-02DA-4073-B1F0-92D199D69559}">
+      <dsp:nvSpPr>
+        <dsp:cNvPr id="0" name=""/>
+        <dsp:cNvSpPr/>
+      </dsp:nvSpPr>
+      <dsp:spPr>
+        <a:xfrm>
+          <a:off x="2975995" y="951881"/>
+          <a:ext cx="2113280" cy="2113280"/>
+        </a:xfrm>
+        <a:prstGeom prst="ellipse">
+          <a:avLst/>
+        </a:prstGeom>
+        <a:solidFill>
+          <a:schemeClr val="accent2">
+            <a:alpha val="50000"/>
+          </a:schemeClr>
+        </a:solidFill>
+        <a:ln w="38100" cap="flat" cmpd="sng" algn="ctr">
+          <a:solidFill>
+            <a:schemeClr val="lt1"/>
+          </a:solidFill>
+          <a:prstDash val="solid"/>
+        </a:ln>
+        <a:effectLst>
+          <a:outerShdw blurRad="40000" dist="20000" dir="5400000" rotWithShape="0">
+            <a:srgbClr val="000000">
+              <a:alpha val="38000"/>
+            </a:srgbClr>
+          </a:outerShdw>
+        </a:effectLst>
+      </dsp:spPr>
+      <dsp:style>
+        <a:lnRef idx="3">
+          <a:schemeClr val="lt1"/>
+        </a:lnRef>
+        <a:fillRef idx="1">
+          <a:schemeClr val="accent2"/>
+        </a:fillRef>
+        <a:effectRef idx="1">
+          <a:schemeClr val="accent2"/>
+        </a:effectRef>
+        <a:fontRef idx="minor">
+          <a:schemeClr val="lt1"/>
+        </a:fontRef>
+      </dsp:style>
+      <dsp:txBody>
+        <a:bodyPr spcFirstLastPara="0" vert="horz" wrap="square" lIns="0" tIns="0" rIns="0" bIns="0" numCol="1" spcCol="1270" anchor="ctr" anchorCtr="0">
+          <a:noAutofit/>
+        </a:bodyPr>
+        <a:lstStyle/>
+        <a:p>
+          <a:pPr lvl="0" algn="ctr" defTabSz="1066800">
+            <a:lnSpc>
+              <a:spcPct val="90000"/>
+            </a:lnSpc>
+            <a:spcBef>
+              <a:spcPct val="0"/>
+            </a:spcBef>
+            <a:spcAft>
+              <a:spcPct val="35000"/>
+            </a:spcAft>
+          </a:pPr>
+          <a:r>
+            <a:rPr lang="en-US" sz="2400" kern="1200" dirty="0" smtClean="0"/>
+            <a:t>Delete</a:t>
+          </a:r>
+          <a:endParaRPr lang="en-US" sz="2400" kern="1200" dirty="0"/>
+        </a:p>
+      </dsp:txBody>
+      <dsp:txXfrm>
+        <a:off x="4113915" y="1195721"/>
+        <a:ext cx="812800" cy="1625600"/>
+      </dsp:txXfrm>
+    </dsp:sp>
+    <dsp:sp modelId="{38328891-FBFA-4573-B249-D7D68246CADA}">
+      <dsp:nvSpPr>
+        <dsp:cNvPr id="0" name=""/>
+        <dsp:cNvSpPr/>
+      </dsp:nvSpPr>
+      <dsp:spPr>
+        <a:xfrm>
+          <a:off x="1991359" y="1910080"/>
+          <a:ext cx="2113280" cy="2113280"/>
+        </a:xfrm>
+        <a:prstGeom prst="ellipse">
+          <a:avLst/>
+        </a:prstGeom>
+        <a:solidFill>
+          <a:schemeClr val="accent3">
+            <a:alpha val="50000"/>
+          </a:schemeClr>
+        </a:solidFill>
+        <a:ln w="38100" cap="flat" cmpd="sng" algn="ctr">
+          <a:solidFill>
+            <a:schemeClr val="lt1"/>
+          </a:solidFill>
+          <a:prstDash val="solid"/>
+        </a:ln>
+        <a:effectLst>
+          <a:outerShdw blurRad="40000" dist="20000" dir="5400000" rotWithShape="0">
+            <a:srgbClr val="000000">
+              <a:alpha val="38000"/>
+            </a:srgbClr>
+          </a:outerShdw>
+        </a:effectLst>
+      </dsp:spPr>
+      <dsp:style>
+        <a:lnRef idx="3">
+          <a:schemeClr val="lt1"/>
+        </a:lnRef>
+        <a:fillRef idx="1">
+          <a:schemeClr val="accent3"/>
+        </a:fillRef>
+        <a:effectRef idx="1">
+          <a:schemeClr val="accent3"/>
+        </a:effectRef>
+        <a:fontRef idx="minor">
+          <a:schemeClr val="lt1"/>
+        </a:fontRef>
+      </dsp:style>
+      <dsp:txBody>
+        <a:bodyPr spcFirstLastPara="0" vert="horz" wrap="square" lIns="0" tIns="0" rIns="0" bIns="0" numCol="1" spcCol="1270" anchor="ctr" anchorCtr="0">
+          <a:noAutofit/>
+        </a:bodyPr>
+        <a:lstStyle/>
+        <a:p>
+          <a:pPr lvl="0" algn="ctr" defTabSz="1066800">
+            <a:lnSpc>
+              <a:spcPct val="90000"/>
+            </a:lnSpc>
+            <a:spcBef>
+              <a:spcPct val="0"/>
+            </a:spcBef>
+            <a:spcAft>
+              <a:spcPct val="35000"/>
+            </a:spcAft>
+          </a:pPr>
+          <a:r>
+            <a:rPr lang="en-US" sz="2400" kern="1200" dirty="0" smtClean="0"/>
+            <a:t>Create</a:t>
+          </a:r>
+          <a:endParaRPr lang="en-US" sz="2400" kern="1200" dirty="0"/>
+        </a:p>
+      </dsp:txBody>
+      <dsp:txXfrm>
+        <a:off x="2235200" y="3068320"/>
+        <a:ext cx="1625600" cy="670560"/>
+      </dsp:txXfrm>
+    </dsp:sp>
+    <dsp:sp modelId="{E40C0A16-588D-42C3-950F-A0A9D089ECF5}">
+      <dsp:nvSpPr>
+        <dsp:cNvPr id="0" name=""/>
+        <dsp:cNvSpPr/>
+      </dsp:nvSpPr>
+      <dsp:spPr>
+        <a:xfrm>
+          <a:off x="1056640" y="975359"/>
+          <a:ext cx="2113280" cy="2113280"/>
+        </a:xfrm>
+        <a:prstGeom prst="ellipse">
+          <a:avLst/>
+        </a:prstGeom>
+        <a:solidFill>
+          <a:schemeClr val="accent6">
+            <a:alpha val="51000"/>
+          </a:schemeClr>
+        </a:solidFill>
+        <a:ln w="38100" cap="flat" cmpd="sng" algn="ctr">
+          <a:solidFill>
+            <a:schemeClr val="lt1"/>
+          </a:solidFill>
+          <a:prstDash val="solid"/>
+        </a:ln>
+        <a:effectLst>
+          <a:outerShdw blurRad="40000" dist="20000" dir="5400000" rotWithShape="0">
+            <a:srgbClr val="000000">
+              <a:alpha val="38000"/>
+            </a:srgbClr>
+          </a:outerShdw>
+        </a:effectLst>
+      </dsp:spPr>
+      <dsp:style>
+        <a:lnRef idx="3">
+          <a:schemeClr val="lt1"/>
+        </a:lnRef>
+        <a:fillRef idx="1">
+          <a:schemeClr val="accent6"/>
+        </a:fillRef>
+        <a:effectRef idx="1">
+          <a:schemeClr val="accent6"/>
+        </a:effectRef>
+        <a:fontRef idx="minor">
+          <a:schemeClr val="lt1"/>
+        </a:fontRef>
+      </dsp:style>
+      <dsp:txBody>
+        <a:bodyPr spcFirstLastPara="0" vert="horz" wrap="square" lIns="0" tIns="0" rIns="0" bIns="0" numCol="1" spcCol="1270" anchor="ctr" anchorCtr="0">
+          <a:noAutofit/>
+        </a:bodyPr>
+        <a:lstStyle/>
+        <a:p>
+          <a:pPr lvl="0" algn="ctr" defTabSz="1066800">
+            <a:lnSpc>
+              <a:spcPct val="90000"/>
+            </a:lnSpc>
+            <a:spcBef>
+              <a:spcPct val="0"/>
+            </a:spcBef>
+            <a:spcAft>
+              <a:spcPct val="35000"/>
+            </a:spcAft>
+          </a:pPr>
+          <a:r>
+            <a:rPr lang="en-US" sz="2400" kern="1200" smtClean="0"/>
+            <a:t>Edit</a:t>
+          </a:r>
+          <a:endParaRPr lang="en-US" sz="2400" kern="1200"/>
+        </a:p>
+      </dsp:txBody>
+      <dsp:txXfrm>
+        <a:off x="1219200" y="1219200"/>
+        <a:ext cx="812800" cy="1625600"/>
+      </dsp:txXfrm>
+    </dsp:sp>
   </dsp:spTree>
 </dsp:drawing>
 </file>
@@ -2574,6 +2874,342 @@
       <dsp:cNvGrpSpPr/>
     </dsp:nvGrpSpPr>
     <dsp:grpSpPr/>
+    <dsp:sp modelId="{A70D7BC9-C47E-4478-9649-2AE1E3209C3E}">
+      <dsp:nvSpPr>
+        <dsp:cNvPr id="0" name=""/>
+        <dsp:cNvSpPr/>
+      </dsp:nvSpPr>
+      <dsp:spPr>
+        <a:xfrm>
+          <a:off x="2844800" y="1828800"/>
+          <a:ext cx="2235200" cy="2235200"/>
+        </a:xfrm>
+        <a:prstGeom prst="gear9">
+          <a:avLst/>
+        </a:prstGeom>
+        <a:solidFill>
+          <a:schemeClr val="lt1"/>
+        </a:solidFill>
+        <a:ln w="25400" cap="flat" cmpd="sng" algn="ctr">
+          <a:solidFill>
+            <a:schemeClr val="accent5"/>
+          </a:solidFill>
+          <a:prstDash val="solid"/>
+        </a:ln>
+        <a:effectLst/>
+      </dsp:spPr>
+      <dsp:style>
+        <a:lnRef idx="2">
+          <a:schemeClr val="accent5"/>
+        </a:lnRef>
+        <a:fillRef idx="1">
+          <a:schemeClr val="lt1"/>
+        </a:fillRef>
+        <a:effectRef idx="0">
+          <a:schemeClr val="accent5"/>
+        </a:effectRef>
+        <a:fontRef idx="minor">
+          <a:schemeClr val="dk1"/>
+        </a:fontRef>
+      </dsp:style>
+      <dsp:txBody>
+        <a:bodyPr spcFirstLastPara="0" vert="horz" wrap="square" lIns="27940" tIns="27940" rIns="27940" bIns="27940" numCol="1" spcCol="1270" anchor="ctr" anchorCtr="0">
+          <a:noAutofit/>
+        </a:bodyPr>
+        <a:lstStyle/>
+        <a:p>
+          <a:pPr lvl="0" algn="ctr" defTabSz="977900">
+            <a:lnSpc>
+              <a:spcPct val="90000"/>
+            </a:lnSpc>
+            <a:spcBef>
+              <a:spcPct val="0"/>
+            </a:spcBef>
+            <a:spcAft>
+              <a:spcPct val="35000"/>
+            </a:spcAft>
+          </a:pPr>
+          <a:r>
+            <a:rPr lang="en-US" sz="2200" kern="1200" dirty="0" smtClean="0"/>
+            <a:t>Templates</a:t>
+          </a:r>
+          <a:endParaRPr lang="en-US" sz="2200" kern="1200" dirty="0"/>
+        </a:p>
+      </dsp:txBody>
+      <dsp:txXfrm>
+        <a:off x="3294175" y="2352385"/>
+        <a:ext cx="1336450" cy="1148939"/>
+      </dsp:txXfrm>
+    </dsp:sp>
+    <dsp:sp modelId="{83B39A0C-655E-4A7B-8395-C7E965AE2288}">
+      <dsp:nvSpPr>
+        <dsp:cNvPr id="0" name=""/>
+        <dsp:cNvSpPr/>
+      </dsp:nvSpPr>
+      <dsp:spPr>
+        <a:xfrm>
+          <a:off x="1544320" y="1300480"/>
+          <a:ext cx="1625600" cy="1625600"/>
+        </a:xfrm>
+        <a:prstGeom prst="gear6">
+          <a:avLst/>
+        </a:prstGeom>
+        <a:solidFill>
+          <a:schemeClr val="lt1"/>
+        </a:solidFill>
+        <a:ln w="25400" cap="flat" cmpd="sng" algn="ctr">
+          <a:solidFill>
+            <a:schemeClr val="accent2"/>
+          </a:solidFill>
+          <a:prstDash val="solid"/>
+        </a:ln>
+        <a:effectLst/>
+      </dsp:spPr>
+      <dsp:style>
+        <a:lnRef idx="2">
+          <a:schemeClr val="accent2"/>
+        </a:lnRef>
+        <a:fillRef idx="1">
+          <a:schemeClr val="lt1"/>
+        </a:fillRef>
+        <a:effectRef idx="0">
+          <a:schemeClr val="accent2"/>
+        </a:effectRef>
+        <a:fontRef idx="minor">
+          <a:schemeClr val="dk1"/>
+        </a:fontRef>
+      </dsp:style>
+      <dsp:txBody>
+        <a:bodyPr spcFirstLastPara="0" vert="horz" wrap="square" lIns="27940" tIns="27940" rIns="27940" bIns="27940" numCol="1" spcCol="1270" anchor="ctr" anchorCtr="0">
+          <a:noAutofit/>
+        </a:bodyPr>
+        <a:lstStyle/>
+        <a:p>
+          <a:pPr lvl="0" algn="ctr" defTabSz="977900">
+            <a:lnSpc>
+              <a:spcPct val="90000"/>
+            </a:lnSpc>
+            <a:spcBef>
+              <a:spcPct val="0"/>
+            </a:spcBef>
+            <a:spcAft>
+              <a:spcPct val="35000"/>
+            </a:spcAft>
+          </a:pPr>
+          <a:r>
+            <a:rPr lang="en-US" sz="2200" kern="1200" dirty="0" smtClean="0"/>
+            <a:t>Access rights</a:t>
+          </a:r>
+          <a:endParaRPr lang="en-US" sz="2200" kern="1200" dirty="0"/>
+        </a:p>
+      </dsp:txBody>
+      <dsp:txXfrm>
+        <a:off x="1953570" y="1712203"/>
+        <a:ext cx="807100" cy="802154"/>
+      </dsp:txXfrm>
+    </dsp:sp>
+    <dsp:sp modelId="{2DF3D73A-A5D0-41CB-96A2-06622D9C5B0B}">
+      <dsp:nvSpPr>
+        <dsp:cNvPr id="0" name=""/>
+        <dsp:cNvSpPr/>
+      </dsp:nvSpPr>
+      <dsp:spPr>
+        <a:xfrm rot="20700000">
+          <a:off x="2454821" y="178981"/>
+          <a:ext cx="1592756" cy="1592756"/>
+        </a:xfrm>
+        <a:prstGeom prst="gear6">
+          <a:avLst/>
+        </a:prstGeom>
+        <a:solidFill>
+          <a:schemeClr val="lt1"/>
+        </a:solidFill>
+        <a:ln w="25400" cap="flat" cmpd="sng" algn="ctr">
+          <a:solidFill>
+            <a:schemeClr val="accent6"/>
+          </a:solidFill>
+          <a:prstDash val="solid"/>
+        </a:ln>
+        <a:effectLst/>
+      </dsp:spPr>
+      <dsp:style>
+        <a:lnRef idx="2">
+          <a:schemeClr val="accent6"/>
+        </a:lnRef>
+        <a:fillRef idx="1">
+          <a:schemeClr val="lt1"/>
+        </a:fillRef>
+        <a:effectRef idx="0">
+          <a:schemeClr val="accent6"/>
+        </a:effectRef>
+        <a:fontRef idx="minor">
+          <a:schemeClr val="dk1"/>
+        </a:fontRef>
+      </dsp:style>
+      <dsp:txBody>
+        <a:bodyPr spcFirstLastPara="0" vert="horz" wrap="square" lIns="27940" tIns="27940" rIns="27940" bIns="27940" numCol="1" spcCol="1270" anchor="ctr" anchorCtr="0">
+          <a:noAutofit/>
+        </a:bodyPr>
+        <a:lstStyle/>
+        <a:p>
+          <a:pPr lvl="0" algn="ctr" defTabSz="977900">
+            <a:lnSpc>
+              <a:spcPct val="90000"/>
+            </a:lnSpc>
+            <a:spcBef>
+              <a:spcPct val="0"/>
+            </a:spcBef>
+            <a:spcAft>
+              <a:spcPct val="35000"/>
+            </a:spcAft>
+          </a:pPr>
+          <a:r>
+            <a:rPr lang="en-US" sz="2200" kern="1200" dirty="0" smtClean="0"/>
+            <a:t>Saving flow</a:t>
+          </a:r>
+          <a:endParaRPr lang="en-US" sz="2200" kern="1200" dirty="0"/>
+        </a:p>
+      </dsp:txBody>
+      <dsp:txXfrm rot="-20700000">
+        <a:off x="2804160" y="528320"/>
+        <a:ext cx="894080" cy="894080"/>
+      </dsp:txXfrm>
+    </dsp:sp>
+    <dsp:sp modelId="{9C5092CC-83D9-4E1B-AB72-0B2F01C0AFD2}">
+      <dsp:nvSpPr>
+        <dsp:cNvPr id="0" name=""/>
+        <dsp:cNvSpPr/>
+      </dsp:nvSpPr>
+      <dsp:spPr>
+        <a:xfrm>
+          <a:off x="2671505" y="1492320"/>
+          <a:ext cx="2861056" cy="2861056"/>
+        </a:xfrm>
+        <a:prstGeom prst="circularArrow">
+          <a:avLst>
+            <a:gd name="adj1" fmla="val 4687"/>
+            <a:gd name="adj2" fmla="val 299029"/>
+            <a:gd name="adj3" fmla="val 2513083"/>
+            <a:gd name="adj4" fmla="val 15867933"/>
+            <a:gd name="adj5" fmla="val 5469"/>
+          </a:avLst>
+        </a:prstGeom>
+        <a:solidFill>
+          <a:schemeClr val="lt1"/>
+        </a:solidFill>
+        <a:ln w="25400" cap="flat" cmpd="sng" algn="ctr">
+          <a:solidFill>
+            <a:schemeClr val="dk1"/>
+          </a:solidFill>
+          <a:prstDash val="solid"/>
+        </a:ln>
+        <a:effectLst/>
+      </dsp:spPr>
+      <dsp:style>
+        <a:lnRef idx="2">
+          <a:schemeClr val="dk1"/>
+        </a:lnRef>
+        <a:fillRef idx="1">
+          <a:schemeClr val="lt1"/>
+        </a:fillRef>
+        <a:effectRef idx="0">
+          <a:schemeClr val="dk1"/>
+        </a:effectRef>
+        <a:fontRef idx="minor">
+          <a:schemeClr val="dk1"/>
+        </a:fontRef>
+      </dsp:style>
+    </dsp:sp>
+    <dsp:sp modelId="{1EBDB474-E7A8-4856-8FE9-4154198818DF}">
+      <dsp:nvSpPr>
+        <dsp:cNvPr id="0" name=""/>
+        <dsp:cNvSpPr/>
+      </dsp:nvSpPr>
+      <dsp:spPr>
+        <a:xfrm>
+          <a:off x="1256429" y="941355"/>
+          <a:ext cx="2078736" cy="2078736"/>
+        </a:xfrm>
+        <a:prstGeom prst="leftCircularArrow">
+          <a:avLst>
+            <a:gd name="adj1" fmla="val 6452"/>
+            <a:gd name="adj2" fmla="val 429999"/>
+            <a:gd name="adj3" fmla="val 10489124"/>
+            <a:gd name="adj4" fmla="val 14837806"/>
+            <a:gd name="adj5" fmla="val 7527"/>
+          </a:avLst>
+        </a:prstGeom>
+        <a:solidFill>
+          <a:schemeClr val="lt1"/>
+        </a:solidFill>
+        <a:ln w="25400" cap="flat" cmpd="sng" algn="ctr">
+          <a:solidFill>
+            <a:schemeClr val="dk1"/>
+          </a:solidFill>
+          <a:prstDash val="solid"/>
+        </a:ln>
+        <a:effectLst/>
+      </dsp:spPr>
+      <dsp:style>
+        <a:lnRef idx="2">
+          <a:schemeClr val="dk1"/>
+        </a:lnRef>
+        <a:fillRef idx="1">
+          <a:schemeClr val="lt1"/>
+        </a:fillRef>
+        <a:effectRef idx="0">
+          <a:schemeClr val="dk1"/>
+        </a:effectRef>
+        <a:fontRef idx="minor">
+          <a:schemeClr val="dk1"/>
+        </a:fontRef>
+      </dsp:style>
+    </dsp:sp>
+    <dsp:sp modelId="{A1C0DAD5-6C5F-4600-9DCB-1EF0CAAC5E53}">
+      <dsp:nvSpPr>
+        <dsp:cNvPr id="0" name=""/>
+        <dsp:cNvSpPr/>
+      </dsp:nvSpPr>
+      <dsp:spPr>
+        <a:xfrm>
+          <a:off x="2086400" y="-169332"/>
+          <a:ext cx="2241296" cy="2241296"/>
+        </a:xfrm>
+        <a:prstGeom prst="circularArrow">
+          <a:avLst>
+            <a:gd name="adj1" fmla="val 5984"/>
+            <a:gd name="adj2" fmla="val 394124"/>
+            <a:gd name="adj3" fmla="val 13313824"/>
+            <a:gd name="adj4" fmla="val 10508221"/>
+            <a:gd name="adj5" fmla="val 6981"/>
+          </a:avLst>
+        </a:prstGeom>
+        <a:solidFill>
+          <a:schemeClr val="lt1"/>
+        </a:solidFill>
+        <a:ln w="25400" cap="flat" cmpd="sng" algn="ctr">
+          <a:solidFill>
+            <a:schemeClr val="dk1"/>
+          </a:solidFill>
+          <a:prstDash val="solid"/>
+        </a:ln>
+        <a:effectLst/>
+      </dsp:spPr>
+      <dsp:style>
+        <a:lnRef idx="2">
+          <a:schemeClr val="dk1"/>
+        </a:lnRef>
+        <a:fillRef idx="1">
+          <a:schemeClr val="lt1"/>
+        </a:fillRef>
+        <a:effectRef idx="0">
+          <a:schemeClr val="dk1"/>
+        </a:effectRef>
+        <a:fontRef idx="minor">
+          <a:schemeClr val="dk1"/>
+        </a:fontRef>
+      </dsp:style>
+    </dsp:sp>
   </dsp:spTree>
 </dsp:drawing>
 </file>
@@ -6076,7 +6712,7 @@
           <a:p>
             <a:fld id="{EBF20459-378C-416B-A93B-AFC960495914}" type="datetimeFigureOut">
               <a:rPr lang="en-US" smtClean="0"/>
-              <a:t>9/11/2014</a:t>
+              <a:t>5/24/15</a:t>
             </a:fld>
             <a:endParaRPr lang="en-US"/>
           </a:p>
@@ -6609,7 +7245,7 @@
           <a:p>
             <a:fld id="{B4C71EC6-210F-42DE-9C53-41977AD35B3D}" type="datetimeFigureOut">
               <a:rPr lang="ru-RU" smtClean="0"/>
-              <a:t>11.09.2014</a:t>
+              <a:t>5/24/15</a:t>
             </a:fld>
             <a:endParaRPr lang="ru-RU"/>
           </a:p>
@@ -6774,7 +7410,7 @@
           <a:p>
             <a:fld id="{B4C71EC6-210F-42DE-9C53-41977AD35B3D}" type="datetimeFigureOut">
               <a:rPr lang="ru-RU" smtClean="0"/>
-              <a:t>11.09.2014</a:t>
+              <a:t>5/24/15</a:t>
             </a:fld>
             <a:endParaRPr lang="ru-RU"/>
           </a:p>
@@ -6949,7 +7585,7 @@
           <a:p>
             <a:fld id="{B4C71EC6-210F-42DE-9C53-41977AD35B3D}" type="datetimeFigureOut">
               <a:rPr lang="ru-RU" smtClean="0"/>
-              <a:t>11.09.2014</a:t>
+              <a:t>5/24/15</a:t>
             </a:fld>
             <a:endParaRPr lang="ru-RU"/>
           </a:p>
@@ -7114,7 +7750,7 @@
           <a:p>
             <a:fld id="{B4C71EC6-210F-42DE-9C53-41977AD35B3D}" type="datetimeFigureOut">
               <a:rPr lang="ru-RU" smtClean="0"/>
-              <a:t>11.09.2014</a:t>
+              <a:t>5/24/15</a:t>
             </a:fld>
             <a:endParaRPr lang="ru-RU"/>
           </a:p>
@@ -7355,7 +7991,7 @@
           <a:p>
             <a:fld id="{B4C71EC6-210F-42DE-9C53-41977AD35B3D}" type="datetimeFigureOut">
               <a:rPr lang="ru-RU" smtClean="0"/>
-              <a:t>11.09.2014</a:t>
+              <a:t>5/24/15</a:t>
             </a:fld>
             <a:endParaRPr lang="ru-RU"/>
           </a:p>
@@ -7638,7 +8274,7 @@
           <a:p>
             <a:fld id="{B4C71EC6-210F-42DE-9C53-41977AD35B3D}" type="datetimeFigureOut">
               <a:rPr lang="ru-RU" smtClean="0"/>
-              <a:t>11.09.2014</a:t>
+              <a:t>5/24/15</a:t>
             </a:fld>
             <a:endParaRPr lang="ru-RU"/>
           </a:p>
@@ -8055,7 +8691,7 @@
           <a:p>
             <a:fld id="{B4C71EC6-210F-42DE-9C53-41977AD35B3D}" type="datetimeFigureOut">
               <a:rPr lang="ru-RU" smtClean="0"/>
-              <a:t>11.09.2014</a:t>
+              <a:t>5/24/15</a:t>
             </a:fld>
             <a:endParaRPr lang="ru-RU"/>
           </a:p>
@@ -8168,7 +8804,7 @@
           <a:p>
             <a:fld id="{B4C71EC6-210F-42DE-9C53-41977AD35B3D}" type="datetimeFigureOut">
               <a:rPr lang="ru-RU" smtClean="0"/>
-              <a:t>11.09.2014</a:t>
+              <a:t>5/24/15</a:t>
             </a:fld>
             <a:endParaRPr lang="ru-RU"/>
           </a:p>
@@ -8258,7 +8894,7 @@
           <a:p>
             <a:fld id="{B4C71EC6-210F-42DE-9C53-41977AD35B3D}" type="datetimeFigureOut">
               <a:rPr lang="ru-RU" smtClean="0"/>
-              <a:t>11.09.2014</a:t>
+              <a:t>5/24/15</a:t>
             </a:fld>
             <a:endParaRPr lang="ru-RU"/>
           </a:p>
@@ -8530,7 +9166,7 @@
           <a:p>
             <a:fld id="{B4C71EC6-210F-42DE-9C53-41977AD35B3D}" type="datetimeFigureOut">
               <a:rPr lang="ru-RU" smtClean="0"/>
-              <a:t>11.09.2014</a:t>
+              <a:t>5/24/15</a:t>
             </a:fld>
             <a:endParaRPr lang="ru-RU"/>
           </a:p>
@@ -8778,7 +9414,7 @@
           <a:p>
             <a:fld id="{B4C71EC6-210F-42DE-9C53-41977AD35B3D}" type="datetimeFigureOut">
               <a:rPr lang="ru-RU" smtClean="0"/>
-              <a:t>11.09.2014</a:t>
+              <a:t>5/24/15</a:t>
             </a:fld>
             <a:endParaRPr lang="ru-RU"/>
           </a:p>
@@ -8986,7 +9622,7 @@
           <a:p>
             <a:fld id="{B4C71EC6-210F-42DE-9C53-41977AD35B3D}" type="datetimeFigureOut">
               <a:rPr lang="ru-RU" smtClean="0"/>
-              <a:t>11.09.2014</a:t>
+              <a:t>5/24/15</a:t>
             </a:fld>
             <a:endParaRPr lang="ru-RU"/>
           </a:p>
@@ -9440,8 +10076,32 @@
           <a:p>
             <a:pPr algn="r"/>
             <a:r>
+              <a:rPr lang="en-US" dirty="0" err="1" smtClean="0"/>
+              <a:t>Maksym</a:t>
+            </a:r>
+            <a:r>
               <a:rPr lang="en-US" dirty="0" smtClean="0"/>
-              <a:t>Maksym Moskvychev</a:t>
+              <a:t> </a:t>
+            </a:r>
+            <a:r>
+              <a:rPr lang="en-US" dirty="0" err="1" smtClean="0"/>
+              <a:t>Moskvychev</a:t>
+            </a:r>
+            <a:endParaRPr lang="ru-RU" dirty="0" smtClean="0"/>
+          </a:p>
+          <a:p>
+            <a:pPr algn="r"/>
+            <a:r>
+              <a:rPr lang="en-US" dirty="0" err="1"/>
+              <a:t>Mykola</a:t>
+            </a:r>
+            <a:r>
+              <a:rPr lang="en-US" dirty="0"/>
+              <a:t> </a:t>
+            </a:r>
+            <a:r>
+              <a:rPr lang="en-US" dirty="0" err="1" smtClean="0"/>
+              <a:t>Labinskyi</a:t>
             </a:r>
             <a:endParaRPr lang="en-US" dirty="0"/>
           </a:p>
@@ -9460,7 +10120,7 @@
   <p:timing>
     <p:tnLst>
       <p:par>
-        <p:cTn id="1" dur="indefinite" restart="never" nodeType="tmRoot"/>
+        <p:cTn xmlns:p14="http://schemas.microsoft.com/office/powerpoint/2010/main" id="1" dur="indefinite" restart="never" nodeType="tmRoot"/>
       </p:par>
     </p:tnLst>
   </p:timing>
@@ -10400,7 +11060,7 @@
   <p:timing>
     <p:tnLst>
       <p:par>
-        <p:cTn id="1" dur="indefinite" restart="never" nodeType="tmRoot">
+        <p:cTn xmlns:p14="http://schemas.microsoft.com/office/powerpoint/2010/main" id="1" dur="indefinite" restart="never" nodeType="tmRoot">
           <p:childTnLst>
             <p:seq concurrent="1" nextAc="seek">
               <p:cTn id="2" dur="indefinite" nodeType="mainSeq">
@@ -11154,7 +11814,7 @@
   <p:timing>
     <p:tnLst>
       <p:par>
-        <p:cTn id="1" dur="indefinite" restart="never" nodeType="tmRoot"/>
+        <p:cTn xmlns:p14="http://schemas.microsoft.com/office/powerpoint/2010/main" id="1" dur="indefinite" restart="never" nodeType="tmRoot"/>
       </p:par>
     </p:tnLst>
   </p:timing>
@@ -11946,7 +12606,7 @@
   <p:timing>
     <p:tnLst>
       <p:par>
-        <p:cTn id="1" dur="indefinite" restart="never" nodeType="tmRoot">
+        <p:cTn xmlns:p14="http://schemas.microsoft.com/office/powerpoint/2010/main" id="1" dur="indefinite" restart="never" nodeType="tmRoot">
           <p:childTnLst>
             <p:seq concurrent="1" nextAc="seek">
               <p:cTn id="2" dur="indefinite" nodeType="mainSeq">
@@ -12945,7 +13605,7 @@
   <p:timing>
     <p:tnLst>
       <p:par>
-        <p:cTn id="1" dur="indefinite" restart="never" nodeType="tmRoot">
+        <p:cTn xmlns:p14="http://schemas.microsoft.com/office/powerpoint/2010/main" id="1" dur="indefinite" restart="never" nodeType="tmRoot">
           <p:childTnLst>
             <p:seq concurrent="1" nextAc="seek">
               <p:cTn id="2" dur="indefinite" nodeType="mainSeq">
@@ -14064,7 +14724,7 @@
   <p:timing>
     <p:tnLst>
       <p:par>
-        <p:cTn id="1" dur="indefinite" restart="never" nodeType="tmRoot">
+        <p:cTn xmlns:p14="http://schemas.microsoft.com/office/powerpoint/2010/main" id="1" dur="indefinite" restart="never" nodeType="tmRoot">
           <p:childTnLst>
             <p:seq concurrent="1" nextAc="seek">
               <p:cTn id="2" dur="indefinite" nodeType="mainSeq">
@@ -14440,7 +15100,7 @@
   <p:timing>
     <p:tnLst>
       <p:par>
-        <p:cTn id="1" dur="indefinite" restart="never" nodeType="tmRoot"/>
+        <p:cTn xmlns:p14="http://schemas.microsoft.com/office/powerpoint/2010/main" id="1" dur="indefinite" restart="never" nodeType="tmRoot"/>
       </p:par>
     </p:tnLst>
   </p:timing>
@@ -14756,7 +15416,7 @@
   <p:timing>
     <p:tnLst>
       <p:par>
-        <p:cTn id="1" dur="indefinite" restart="never" nodeType="tmRoot"/>
+        <p:cTn xmlns:p14="http://schemas.microsoft.com/office/powerpoint/2010/main" id="1" dur="indefinite" restart="never" nodeType="tmRoot"/>
       </p:par>
     </p:tnLst>
   </p:timing>
@@ -14860,7 +15520,7 @@
   <p:timing>
     <p:tnLst>
       <p:par>
-        <p:cTn id="1" dur="indefinite" restart="never" nodeType="tmRoot"/>
+        <p:cTn xmlns:p14="http://schemas.microsoft.com/office/powerpoint/2010/main" id="1" dur="indefinite" restart="never" nodeType="tmRoot"/>
       </p:par>
     </p:tnLst>
   </p:timing>
@@ -14964,7 +15624,7 @@
   <p:timing>
     <p:tnLst>
       <p:par>
-        <p:cTn id="1" dur="indefinite" restart="never" nodeType="tmRoot"/>
+        <p:cTn xmlns:p14="http://schemas.microsoft.com/office/powerpoint/2010/main" id="1" dur="indefinite" restart="never" nodeType="tmRoot"/>
       </p:par>
     </p:tnLst>
   </p:timing>
@@ -15743,7 +16403,7 @@
   <p:timing>
     <p:tnLst>
       <p:par>
-        <p:cTn id="1" dur="indefinite" restart="never" nodeType="tmRoot"/>
+        <p:cTn xmlns:p14="http://schemas.microsoft.com/office/powerpoint/2010/main" id="1" dur="indefinite" restart="never" nodeType="tmRoot"/>
       </p:par>
     </p:tnLst>
   </p:timing>
@@ -15895,7 +16555,7 @@
   <p:timing>
     <p:tnLst>
       <p:par>
-        <p:cTn id="1" dur="indefinite" restart="never" nodeType="tmRoot"/>
+        <p:cTn xmlns:p14="http://schemas.microsoft.com/office/powerpoint/2010/main" id="1" dur="indefinite" restart="never" nodeType="tmRoot"/>
       </p:par>
     </p:tnLst>
   </p:timing>
@@ -16673,7 +17333,7 @@
   <p:timing>
     <p:tnLst>
       <p:par>
-        <p:cTn id="1" dur="indefinite" restart="never" nodeType="tmRoot"/>
+        <p:cTn xmlns:p14="http://schemas.microsoft.com/office/powerpoint/2010/main" id="1" dur="indefinite" restart="never" nodeType="tmRoot"/>
       </p:par>
     </p:tnLst>
   </p:timing>
@@ -17474,7 +18134,7 @@
   <p:timing>
     <p:tnLst>
       <p:par>
-        <p:cTn id="1" dur="indefinite" restart="never" nodeType="tmRoot"/>
+        <p:cTn xmlns:p14="http://schemas.microsoft.com/office/powerpoint/2010/main" id="1" dur="indefinite" restart="never" nodeType="tmRoot"/>
       </p:par>
     </p:tnLst>
   </p:timing>
@@ -17831,7 +18491,7 @@
   <p:timing>
     <p:tnLst>
       <p:par>
-        <p:cTn id="1" dur="indefinite" restart="never" nodeType="tmRoot"/>
+        <p:cTn xmlns:p14="http://schemas.microsoft.com/office/powerpoint/2010/main" id="1" dur="indefinite" restart="never" nodeType="tmRoot"/>
       </p:par>
     </p:tnLst>
   </p:timing>
@@ -17911,7 +18571,7 @@
           </a:prstGeom>
           <a:noFill/>
           <a:extLst>
-            <a:ext uri="{909E8E84-426E-40DD-AFC4-6F175D3DCCD1}">
+            <a:ext uri="{909E8E84-426E-40dd-AFC4-6F175D3DCCD1}">
               <a14:hiddenFill xmlns:a14="http://schemas.microsoft.com/office/drawing/2010/main">
                 <a:solidFill>
                   <a:srgbClr val="FFFFFF"/>
@@ -17934,7 +18594,7 @@
   <p:timing>
     <p:tnLst>
       <p:par>
-        <p:cTn id="1" dur="indefinite" restart="never" nodeType="tmRoot"/>
+        <p:cTn xmlns:p14="http://schemas.microsoft.com/office/powerpoint/2010/main" id="1" dur="indefinite" restart="never" nodeType="tmRoot"/>
       </p:par>
     </p:tnLst>
   </p:timing>
@@ -18477,7 +19137,7 @@
   <p:timing>
     <p:tnLst>
       <p:par>
-        <p:cTn id="1" dur="indefinite" restart="never" nodeType="tmRoot"/>
+        <p:cTn xmlns:p14="http://schemas.microsoft.com/office/powerpoint/2010/main" id="1" dur="indefinite" restart="never" nodeType="tmRoot"/>
       </p:par>
     </p:tnLst>
   </p:timing>
@@ -18523,7 +19183,15 @@
           <a:p>
             <a:r>
               <a:rPr lang="en-US" dirty="0" smtClean="0"/>
-              <a:t>to be continued next Thursday</a:t>
+              <a:t>to be continued </a:t>
+            </a:r>
+            <a:r>
+              <a:rPr lang="en-US" smtClean="0"/>
+              <a:t>next </a:t>
+            </a:r>
+            <a:r>
+              <a:rPr lang="en-US"/>
+              <a:t>Wednesday</a:t>
             </a:r>
             <a:endParaRPr lang="en-US" dirty="0"/>
           </a:p>
@@ -18542,7 +19210,7 @@
   <p:timing>
     <p:tnLst>
       <p:par>
-        <p:cTn id="1" dur="indefinite" restart="never" nodeType="tmRoot"/>
+        <p:cTn xmlns:p14="http://schemas.microsoft.com/office/powerpoint/2010/main" id="1" dur="indefinite" restart="never" nodeType="tmRoot"/>
       </p:par>
     </p:tnLst>
   </p:timing>
@@ -19466,7 +20134,7 @@
   <p:timing>
     <p:tnLst>
       <p:par>
-        <p:cTn id="1" dur="indefinite" restart="never" nodeType="tmRoot">
+        <p:cTn xmlns:p14="http://schemas.microsoft.com/office/powerpoint/2010/main" id="1" dur="indefinite" restart="never" nodeType="tmRoot">
           <p:childTnLst>
             <p:seq concurrent="1" nextAc="seek">
               <p:cTn id="2" dur="indefinite" nodeType="mainSeq">
@@ -20133,7 +20801,7 @@
   <p:timing>
     <p:tnLst>
       <p:par>
-        <p:cTn id="1" dur="indefinite" restart="never" nodeType="tmRoot"/>
+        <p:cTn xmlns:p14="http://schemas.microsoft.com/office/powerpoint/2010/main" id="1" dur="indefinite" restart="never" nodeType="tmRoot"/>
       </p:par>
     </p:tnLst>
   </p:timing>
@@ -20461,7 +21129,7 @@
   <p:timing>
     <p:tnLst>
       <p:par>
-        <p:cTn id="1" dur="indefinite" restart="never" nodeType="tmRoot"/>
+        <p:cTn xmlns:p14="http://schemas.microsoft.com/office/powerpoint/2010/main" id="1" dur="indefinite" restart="never" nodeType="tmRoot"/>
       </p:par>
     </p:tnLst>
   </p:timing>
@@ -20662,7 +21330,7 @@
   <p:timing>
     <p:tnLst>
       <p:par>
-        <p:cTn id="1" dur="indefinite" restart="never" nodeType="tmRoot"/>
+        <p:cTn xmlns:p14="http://schemas.microsoft.com/office/powerpoint/2010/main" id="1" dur="indefinite" restart="never" nodeType="tmRoot"/>
       </p:par>
     </p:tnLst>
   </p:timing>
@@ -20899,7 +21567,7 @@
   <p:timing>
     <p:tnLst>
       <p:par>
-        <p:cTn id="1" dur="indefinite" restart="never" nodeType="tmRoot"/>
+        <p:cTn xmlns:p14="http://schemas.microsoft.com/office/powerpoint/2010/main" id="1" dur="indefinite" restart="never" nodeType="tmRoot"/>
       </p:par>
     </p:tnLst>
   </p:timing>
@@ -21300,7 +21968,7 @@
   <p:timing>
     <p:tnLst>
       <p:par>
-        <p:cTn id="1" dur="indefinite" restart="never" nodeType="tmRoot">
+        <p:cTn xmlns:p14="http://schemas.microsoft.com/office/powerpoint/2010/main" id="1" dur="indefinite" restart="never" nodeType="tmRoot">
           <p:childTnLst>
             <p:seq concurrent="1" nextAc="seek">
               <p:cTn id="2" dur="indefinite" nodeType="mainSeq">
@@ -21707,7 +22375,7 @@
   <p:timing>
     <p:tnLst>
       <p:par>
-        <p:cTn id="1" dur="indefinite" restart="never" nodeType="tmRoot"/>
+        <p:cTn xmlns:p14="http://schemas.microsoft.com/office/powerpoint/2010/main" id="1" dur="indefinite" restart="never" nodeType="tmRoot"/>
       </p:par>
     </p:tnLst>
   </p:timing>

--- a/assets/workshop_2_sonata.pptx
+++ b/assets/workshop_2_sonata.pptx
@@ -133,7 +133,7 @@
   </p:defaultTextStyle>
   <p:extLst>
     <p:ext uri="{EFAFB233-063F-42B5-8137-9DF3F51BA10A}">
-      <p15:sldGuideLst xmlns:p15="http://schemas.microsoft.com/office/powerpoint/2012/main" xmlns="">
+      <p15:sldGuideLst xmlns="" xmlns:p15="http://schemas.microsoft.com/office/powerpoint/2012/main">
         <p15:guide id="1" orient="horz" pos="2160">
           <p15:clr>
             <a:srgbClr val="A4A3A4"/>
@@ -6712,7 +6712,7 @@
           <a:p>
             <a:fld id="{EBF20459-378C-416B-A93B-AFC960495914}" type="datetimeFigureOut">
               <a:rPr lang="en-US" smtClean="0"/>
-              <a:t>5/24/15</a:t>
+              <a:t>5/27/15</a:t>
             </a:fld>
             <a:endParaRPr lang="en-US"/>
           </a:p>
@@ -7245,7 +7245,7 @@
           <a:p>
             <a:fld id="{B4C71EC6-210F-42DE-9C53-41977AD35B3D}" type="datetimeFigureOut">
               <a:rPr lang="ru-RU" smtClean="0"/>
-              <a:t>5/24/15</a:t>
+              <a:t>5/27/15</a:t>
             </a:fld>
             <a:endParaRPr lang="ru-RU"/>
           </a:p>
@@ -7410,7 +7410,7 @@
           <a:p>
             <a:fld id="{B4C71EC6-210F-42DE-9C53-41977AD35B3D}" type="datetimeFigureOut">
               <a:rPr lang="ru-RU" smtClean="0"/>
-              <a:t>5/24/15</a:t>
+              <a:t>5/27/15</a:t>
             </a:fld>
             <a:endParaRPr lang="ru-RU"/>
           </a:p>
@@ -7585,7 +7585,7 @@
           <a:p>
             <a:fld id="{B4C71EC6-210F-42DE-9C53-41977AD35B3D}" type="datetimeFigureOut">
               <a:rPr lang="ru-RU" smtClean="0"/>
-              <a:t>5/24/15</a:t>
+              <a:t>5/27/15</a:t>
             </a:fld>
             <a:endParaRPr lang="ru-RU"/>
           </a:p>
@@ -7750,7 +7750,7 @@
           <a:p>
             <a:fld id="{B4C71EC6-210F-42DE-9C53-41977AD35B3D}" type="datetimeFigureOut">
               <a:rPr lang="ru-RU" smtClean="0"/>
-              <a:t>5/24/15</a:t>
+              <a:t>5/27/15</a:t>
             </a:fld>
             <a:endParaRPr lang="ru-RU"/>
           </a:p>
@@ -7991,7 +7991,7 @@
           <a:p>
             <a:fld id="{B4C71EC6-210F-42DE-9C53-41977AD35B3D}" type="datetimeFigureOut">
               <a:rPr lang="ru-RU" smtClean="0"/>
-              <a:t>5/24/15</a:t>
+              <a:t>5/27/15</a:t>
             </a:fld>
             <a:endParaRPr lang="ru-RU"/>
           </a:p>
@@ -8274,7 +8274,7 @@
           <a:p>
             <a:fld id="{B4C71EC6-210F-42DE-9C53-41977AD35B3D}" type="datetimeFigureOut">
               <a:rPr lang="ru-RU" smtClean="0"/>
-              <a:t>5/24/15</a:t>
+              <a:t>5/27/15</a:t>
             </a:fld>
             <a:endParaRPr lang="ru-RU"/>
           </a:p>
@@ -8691,7 +8691,7 @@
           <a:p>
             <a:fld id="{B4C71EC6-210F-42DE-9C53-41977AD35B3D}" type="datetimeFigureOut">
               <a:rPr lang="ru-RU" smtClean="0"/>
-              <a:t>5/24/15</a:t>
+              <a:t>5/27/15</a:t>
             </a:fld>
             <a:endParaRPr lang="ru-RU"/>
           </a:p>
@@ -8804,7 +8804,7 @@
           <a:p>
             <a:fld id="{B4C71EC6-210F-42DE-9C53-41977AD35B3D}" type="datetimeFigureOut">
               <a:rPr lang="ru-RU" smtClean="0"/>
-              <a:t>5/24/15</a:t>
+              <a:t>5/27/15</a:t>
             </a:fld>
             <a:endParaRPr lang="ru-RU"/>
           </a:p>
@@ -8894,7 +8894,7 @@
           <a:p>
             <a:fld id="{B4C71EC6-210F-42DE-9C53-41977AD35B3D}" type="datetimeFigureOut">
               <a:rPr lang="ru-RU" smtClean="0"/>
-              <a:t>5/24/15</a:t>
+              <a:t>5/27/15</a:t>
             </a:fld>
             <a:endParaRPr lang="ru-RU"/>
           </a:p>
@@ -9166,7 +9166,7 @@
           <a:p>
             <a:fld id="{B4C71EC6-210F-42DE-9C53-41977AD35B3D}" type="datetimeFigureOut">
               <a:rPr lang="ru-RU" smtClean="0"/>
-              <a:t>5/24/15</a:t>
+              <a:t>5/27/15</a:t>
             </a:fld>
             <a:endParaRPr lang="ru-RU"/>
           </a:p>
@@ -9414,7 +9414,7 @@
           <a:p>
             <a:fld id="{B4C71EC6-210F-42DE-9C53-41977AD35B3D}" type="datetimeFigureOut">
               <a:rPr lang="ru-RU" smtClean="0"/>
-              <a:t>5/24/15</a:t>
+              <a:t>5/27/15</a:t>
             </a:fld>
             <a:endParaRPr lang="ru-RU"/>
           </a:p>
@@ -9622,7 +9622,7 @@
           <a:p>
             <a:fld id="{B4C71EC6-210F-42DE-9C53-41977AD35B3D}" type="datetimeFigureOut">
               <a:rPr lang="ru-RU" smtClean="0"/>
-              <a:t>5/24/15</a:t>
+              <a:t>5/27/15</a:t>
             </a:fld>
             <a:endParaRPr lang="ru-RU"/>
           </a:p>
@@ -12835,14 +12835,14 @@
       </p:sp>
       <p:sp>
         <p:nvSpPr>
-          <p:cNvPr id="31" name="Прямоугольник 30"/>
+          <p:cNvPr id="30" name="Прямоугольник 29"/>
           <p:cNvSpPr/>
           <p:nvPr/>
         </p:nvSpPr>
         <p:spPr>
           <a:xfrm>
-            <a:off x="6204495" y="2029948"/>
-            <a:ext cx="2123815" cy="4639412"/>
+            <a:off x="1355850" y="2121326"/>
+            <a:ext cx="1920006" cy="4404017"/>
           </a:xfrm>
           <a:prstGeom prst="rect">
             <a:avLst/>
@@ -12923,108 +12923,6 @@
           </a:p>
           <a:p>
             <a:pPr algn="ctr"/>
-            <a:endParaRPr lang="en-US" dirty="0" smtClean="0"/>
-          </a:p>
-          <a:p>
-            <a:pPr algn="ctr"/>
-            <a:r>
-              <a:rPr lang="en-US" dirty="0" smtClean="0"/>
-              <a:t>Trusted code</a:t>
-            </a:r>
-            <a:endParaRPr lang="en-US" dirty="0"/>
-          </a:p>
-        </p:txBody>
-      </p:sp>
-      <p:sp>
-        <p:nvSpPr>
-          <p:cNvPr id="30" name="Прямоугольник 29"/>
-          <p:cNvSpPr/>
-          <p:nvPr/>
-        </p:nvSpPr>
-        <p:spPr>
-          <a:xfrm>
-            <a:off x="1355850" y="2121326"/>
-            <a:ext cx="1920006" cy="4404017"/>
-          </a:xfrm>
-          <a:prstGeom prst="rect">
-            <a:avLst/>
-          </a:prstGeom>
-        </p:spPr>
-        <p:style>
-          <a:lnRef idx="1">
-            <a:schemeClr val="accent3"/>
-          </a:lnRef>
-          <a:fillRef idx="2">
-            <a:schemeClr val="accent3"/>
-          </a:fillRef>
-          <a:effectRef idx="1">
-            <a:schemeClr val="accent3"/>
-          </a:effectRef>
-          <a:fontRef idx="minor">
-            <a:schemeClr val="dk1"/>
-          </a:fontRef>
-        </p:style>
-        <p:txBody>
-          <a:bodyPr rtlCol="0" anchor="ctr"/>
-          <a:lstStyle/>
-          <a:p>
-            <a:pPr algn="ctr"/>
-            <a:endParaRPr lang="en-US" dirty="0" smtClean="0"/>
-          </a:p>
-          <a:p>
-            <a:pPr algn="ctr"/>
-            <a:endParaRPr lang="en-US" dirty="0"/>
-          </a:p>
-          <a:p>
-            <a:pPr algn="ctr"/>
-            <a:endParaRPr lang="en-US" dirty="0" smtClean="0"/>
-          </a:p>
-          <a:p>
-            <a:pPr algn="ctr"/>
-            <a:endParaRPr lang="en-US" dirty="0"/>
-          </a:p>
-          <a:p>
-            <a:pPr algn="ctr"/>
-            <a:endParaRPr lang="en-US" dirty="0" smtClean="0"/>
-          </a:p>
-          <a:p>
-            <a:pPr algn="ctr"/>
-            <a:endParaRPr lang="en-US" dirty="0"/>
-          </a:p>
-          <a:p>
-            <a:pPr algn="ctr"/>
-            <a:endParaRPr lang="en-US" dirty="0" smtClean="0"/>
-          </a:p>
-          <a:p>
-            <a:pPr algn="ctr"/>
-            <a:endParaRPr lang="en-US" dirty="0"/>
-          </a:p>
-          <a:p>
-            <a:pPr algn="ctr"/>
-            <a:endParaRPr lang="en-US" dirty="0" smtClean="0"/>
-          </a:p>
-          <a:p>
-            <a:pPr algn="ctr"/>
-            <a:endParaRPr lang="en-US" dirty="0"/>
-          </a:p>
-          <a:p>
-            <a:pPr algn="ctr"/>
-            <a:endParaRPr lang="en-US" dirty="0" smtClean="0"/>
-          </a:p>
-          <a:p>
-            <a:pPr algn="ctr"/>
-            <a:endParaRPr lang="en-US" dirty="0"/>
-          </a:p>
-          <a:p>
-            <a:pPr algn="ctr"/>
-            <a:endParaRPr lang="en-US" dirty="0" smtClean="0"/>
-          </a:p>
-          <a:p>
-            <a:pPr algn="ctr"/>
-            <a:endParaRPr lang="en-US" dirty="0"/>
-          </a:p>
-          <a:p>
-            <a:pPr algn="ctr"/>
             <a:r>
               <a:rPr lang="en-US" dirty="0" smtClean="0"/>
               <a:t>Trusted code</a:t>
@@ -13058,132 +12956,6 @@
             <a:r>
               <a:rPr lang="en-US" dirty="0" smtClean="0"/>
               <a:t>Testing custom logic in Sonata Admin</a:t>
-            </a:r>
-            <a:endParaRPr lang="en-US" dirty="0"/>
-          </a:p>
-        </p:txBody>
-      </p:sp>
-      <p:sp>
-        <p:nvSpPr>
-          <p:cNvPr id="5" name="Прямоугольник 4"/>
-          <p:cNvSpPr/>
-          <p:nvPr/>
-        </p:nvSpPr>
-        <p:spPr>
-          <a:xfrm>
-            <a:off x="6402667" y="2121327"/>
-            <a:ext cx="1728192" cy="910210"/>
-          </a:xfrm>
-          <a:prstGeom prst="rect">
-            <a:avLst/>
-          </a:prstGeom>
-        </p:spPr>
-        <p:style>
-          <a:lnRef idx="2">
-            <a:schemeClr val="accent2"/>
-          </a:lnRef>
-          <a:fillRef idx="1">
-            <a:schemeClr val="lt1"/>
-          </a:fillRef>
-          <a:effectRef idx="0">
-            <a:schemeClr val="accent2"/>
-          </a:effectRef>
-          <a:fontRef idx="minor">
-            <a:schemeClr val="dk1"/>
-          </a:fontRef>
-        </p:style>
-        <p:txBody>
-          <a:bodyPr rtlCol="0" anchor="ctr"/>
-          <a:lstStyle/>
-          <a:p>
-            <a:pPr algn="ctr"/>
-            <a:r>
-              <a:rPr lang="en-US" dirty="0" smtClean="0"/>
-              <a:t>SMART Sonata Controller</a:t>
-            </a:r>
-            <a:endParaRPr lang="en-US" dirty="0"/>
-          </a:p>
-        </p:txBody>
-      </p:sp>
-      <p:sp>
-        <p:nvSpPr>
-          <p:cNvPr id="6" name="Прямоугольник 5"/>
-          <p:cNvSpPr/>
-          <p:nvPr/>
-        </p:nvSpPr>
-        <p:spPr>
-          <a:xfrm>
-            <a:off x="6466629" y="5661248"/>
-            <a:ext cx="1532451" cy="576064"/>
-          </a:xfrm>
-          <a:prstGeom prst="rect">
-            <a:avLst/>
-          </a:prstGeom>
-        </p:spPr>
-        <p:style>
-          <a:lnRef idx="2">
-            <a:schemeClr val="accent2"/>
-          </a:lnRef>
-          <a:fillRef idx="1">
-            <a:schemeClr val="lt1"/>
-          </a:fillRef>
-          <a:effectRef idx="0">
-            <a:schemeClr val="accent2"/>
-          </a:effectRef>
-          <a:fontRef idx="minor">
-            <a:schemeClr val="dk1"/>
-          </a:fontRef>
-        </p:style>
-        <p:txBody>
-          <a:bodyPr rtlCol="0" anchor="ctr"/>
-          <a:lstStyle/>
-          <a:p>
-            <a:pPr algn="ctr"/>
-            <a:r>
-              <a:rPr lang="en-US" dirty="0" smtClean="0"/>
-              <a:t>Sonata templates</a:t>
-            </a:r>
-            <a:endParaRPr lang="en-US" dirty="0"/>
-          </a:p>
-        </p:txBody>
-      </p:sp>
-      <p:sp>
-        <p:nvSpPr>
-          <p:cNvPr id="7" name="Прямоугольник 6"/>
-          <p:cNvSpPr/>
-          <p:nvPr/>
-        </p:nvSpPr>
-        <p:spPr>
-          <a:xfrm>
-            <a:off x="6391266" y="3451650"/>
-            <a:ext cx="1739593" cy="1849558"/>
-          </a:xfrm>
-          <a:prstGeom prst="rect">
-            <a:avLst/>
-          </a:prstGeom>
-        </p:spPr>
-        <p:style>
-          <a:lnRef idx="2">
-            <a:schemeClr val="accent2"/>
-          </a:lnRef>
-          <a:fillRef idx="1">
-            <a:schemeClr val="lt1"/>
-          </a:fillRef>
-          <a:effectRef idx="0">
-            <a:schemeClr val="accent2"/>
-          </a:effectRef>
-          <a:fontRef idx="minor">
-            <a:schemeClr val="dk1"/>
-          </a:fontRef>
-        </p:style>
-        <p:txBody>
-          <a:bodyPr rtlCol="0" anchor="ctr"/>
-          <a:lstStyle/>
-          <a:p>
-            <a:pPr algn="ctr"/>
-            <a:r>
-              <a:rPr lang="en-US" dirty="0" smtClean="0"/>
-              <a:t>Methods in parent Admin class</a:t>
             </a:r>
             <a:endParaRPr lang="en-US" dirty="0"/>
           </a:p>
@@ -13592,6 +13364,230 @@
           </a:fontRef>
         </p:style>
       </p:cxnSp>
+      <p:sp>
+        <p:nvSpPr>
+          <p:cNvPr id="21" name="Прямоугольник 20"/>
+          <p:cNvSpPr/>
+          <p:nvPr/>
+        </p:nvSpPr>
+        <p:spPr>
+          <a:xfrm>
+            <a:off x="6204495" y="2121327"/>
+            <a:ext cx="2123815" cy="4404016"/>
+          </a:xfrm>
+          <a:prstGeom prst="rect">
+            <a:avLst/>
+          </a:prstGeom>
+        </p:spPr>
+        <p:style>
+          <a:lnRef idx="1">
+            <a:schemeClr val="accent3"/>
+          </a:lnRef>
+          <a:fillRef idx="2">
+            <a:schemeClr val="accent3"/>
+          </a:fillRef>
+          <a:effectRef idx="1">
+            <a:schemeClr val="accent3"/>
+          </a:effectRef>
+          <a:fontRef idx="minor">
+            <a:schemeClr val="dk1"/>
+          </a:fontRef>
+        </p:style>
+        <p:txBody>
+          <a:bodyPr rtlCol="0" anchor="ctr"/>
+          <a:lstStyle/>
+          <a:p>
+            <a:pPr algn="ctr"/>
+            <a:endParaRPr lang="en-US" dirty="0" smtClean="0"/>
+          </a:p>
+          <a:p>
+            <a:pPr algn="ctr"/>
+            <a:endParaRPr lang="en-US" dirty="0"/>
+          </a:p>
+          <a:p>
+            <a:pPr algn="ctr"/>
+            <a:endParaRPr lang="en-US" dirty="0" smtClean="0"/>
+          </a:p>
+          <a:p>
+            <a:pPr algn="ctr"/>
+            <a:endParaRPr lang="en-US" dirty="0"/>
+          </a:p>
+          <a:p>
+            <a:pPr algn="ctr"/>
+            <a:endParaRPr lang="en-US" dirty="0" smtClean="0"/>
+          </a:p>
+          <a:p>
+            <a:pPr algn="ctr"/>
+            <a:endParaRPr lang="en-US" dirty="0"/>
+          </a:p>
+          <a:p>
+            <a:pPr algn="ctr"/>
+            <a:endParaRPr lang="en-US" dirty="0" smtClean="0"/>
+          </a:p>
+          <a:p>
+            <a:pPr algn="ctr"/>
+            <a:endParaRPr lang="en-US" dirty="0"/>
+          </a:p>
+          <a:p>
+            <a:pPr algn="ctr"/>
+            <a:endParaRPr lang="en-US" dirty="0" smtClean="0"/>
+          </a:p>
+          <a:p>
+            <a:pPr algn="ctr"/>
+            <a:endParaRPr lang="en-US" dirty="0"/>
+          </a:p>
+          <a:p>
+            <a:pPr algn="ctr"/>
+            <a:endParaRPr lang="en-US" dirty="0" smtClean="0"/>
+          </a:p>
+          <a:p>
+            <a:pPr algn="ctr"/>
+            <a:endParaRPr lang="en-US" dirty="0" smtClean="0"/>
+          </a:p>
+          <a:p>
+            <a:pPr algn="ctr"/>
+            <a:endParaRPr lang="en-US" dirty="0"/>
+          </a:p>
+          <a:p>
+            <a:pPr algn="ctr"/>
+            <a:endParaRPr lang="en-US" dirty="0" smtClean="0"/>
+          </a:p>
+          <a:p>
+            <a:pPr algn="ctr"/>
+            <a:r>
+              <a:rPr lang="en-US" dirty="0" smtClean="0"/>
+              <a:t>Trusted code</a:t>
+            </a:r>
+            <a:endParaRPr lang="en-US" dirty="0"/>
+          </a:p>
+        </p:txBody>
+      </p:sp>
+      <p:sp>
+        <p:nvSpPr>
+          <p:cNvPr id="22" name="Прямоугольник 21"/>
+          <p:cNvSpPr/>
+          <p:nvPr/>
+        </p:nvSpPr>
+        <p:spPr>
+          <a:xfrm>
+            <a:off x="6402667" y="2269198"/>
+            <a:ext cx="1728192" cy="910210"/>
+          </a:xfrm>
+          <a:prstGeom prst="rect">
+            <a:avLst/>
+          </a:prstGeom>
+        </p:spPr>
+        <p:style>
+          <a:lnRef idx="2">
+            <a:schemeClr val="accent2"/>
+          </a:lnRef>
+          <a:fillRef idx="1">
+            <a:schemeClr val="lt1"/>
+          </a:fillRef>
+          <a:effectRef idx="0">
+            <a:schemeClr val="accent2"/>
+          </a:effectRef>
+          <a:fontRef idx="minor">
+            <a:schemeClr val="dk1"/>
+          </a:fontRef>
+        </p:style>
+        <p:txBody>
+          <a:bodyPr rtlCol="0" anchor="ctr"/>
+          <a:lstStyle/>
+          <a:p>
+            <a:pPr algn="ctr"/>
+            <a:r>
+              <a:rPr lang="en-US" dirty="0" smtClean="0"/>
+              <a:t>SMART Sonata Controller</a:t>
+            </a:r>
+            <a:endParaRPr lang="en-US" dirty="0"/>
+          </a:p>
+        </p:txBody>
+      </p:sp>
+      <p:sp>
+        <p:nvSpPr>
+          <p:cNvPr id="23" name="Прямоугольник 22"/>
+          <p:cNvSpPr/>
+          <p:nvPr/>
+        </p:nvSpPr>
+        <p:spPr>
+          <a:xfrm>
+            <a:off x="6466629" y="5375583"/>
+            <a:ext cx="1532451" cy="576064"/>
+          </a:xfrm>
+          <a:prstGeom prst="rect">
+            <a:avLst/>
+          </a:prstGeom>
+        </p:spPr>
+        <p:style>
+          <a:lnRef idx="2">
+            <a:schemeClr val="accent2"/>
+          </a:lnRef>
+          <a:fillRef idx="1">
+            <a:schemeClr val="lt1"/>
+          </a:fillRef>
+          <a:effectRef idx="0">
+            <a:schemeClr val="accent2"/>
+          </a:effectRef>
+          <a:fontRef idx="minor">
+            <a:schemeClr val="dk1"/>
+          </a:fontRef>
+        </p:style>
+        <p:txBody>
+          <a:bodyPr rtlCol="0" anchor="ctr"/>
+          <a:lstStyle/>
+          <a:p>
+            <a:pPr algn="ctr"/>
+            <a:r>
+              <a:rPr lang="en-US" dirty="0" smtClean="0"/>
+              <a:t>Sonata templates</a:t>
+            </a:r>
+            <a:endParaRPr lang="en-US" dirty="0"/>
+          </a:p>
+        </p:txBody>
+      </p:sp>
+      <p:sp>
+        <p:nvSpPr>
+          <p:cNvPr id="24" name="Прямоугольник 23"/>
+          <p:cNvSpPr/>
+          <p:nvPr/>
+        </p:nvSpPr>
+        <p:spPr>
+          <a:xfrm>
+            <a:off x="6391266" y="3343638"/>
+            <a:ext cx="1739593" cy="1849558"/>
+          </a:xfrm>
+          <a:prstGeom prst="rect">
+            <a:avLst/>
+          </a:prstGeom>
+        </p:spPr>
+        <p:style>
+          <a:lnRef idx="2">
+            <a:schemeClr val="accent2"/>
+          </a:lnRef>
+          <a:fillRef idx="1">
+            <a:schemeClr val="lt1"/>
+          </a:fillRef>
+          <a:effectRef idx="0">
+            <a:schemeClr val="accent2"/>
+          </a:effectRef>
+          <a:fontRef idx="minor">
+            <a:schemeClr val="dk1"/>
+          </a:fontRef>
+        </p:style>
+        <p:txBody>
+          <a:bodyPr rtlCol="0" anchor="ctr"/>
+          <a:lstStyle/>
+          <a:p>
+            <a:pPr algn="ctr"/>
+            <a:r>
+              <a:rPr lang="en-US" dirty="0" smtClean="0"/>
+              <a:t>Methods in parent Admin class</a:t>
+            </a:r>
+            <a:endParaRPr lang="en-US" dirty="0"/>
+          </a:p>
+        </p:txBody>
+      </p:sp>
     </p:spTree>
     <p:extLst>
       <p:ext uri="{BB962C8B-B14F-4D97-AF65-F5344CB8AC3E}">
@@ -13657,41 +13653,6 @@
                                   </p:childTnLst>
                                 </p:cTn>
                               </p:par>
-                              <p:par>
-                                <p:cTn id="8" presetID="10" presetClass="entr" presetSubtype="0" fill="hold" grpId="0" nodeType="withEffect">
-                                  <p:stCondLst>
-                                    <p:cond delay="0"/>
-                                  </p:stCondLst>
-                                  <p:childTnLst>
-                                    <p:set>
-                                      <p:cBhvr>
-                                        <p:cTn id="9" dur="1" fill="hold">
-                                          <p:stCondLst>
-                                            <p:cond delay="0"/>
-                                          </p:stCondLst>
-                                        </p:cTn>
-                                        <p:tgtEl>
-                                          <p:spTgt spid="31"/>
-                                        </p:tgtEl>
-                                        <p:attrNameLst>
-                                          <p:attrName>style.visibility</p:attrName>
-                                        </p:attrNameLst>
-                                      </p:cBhvr>
-                                      <p:to>
-                                        <p:strVal val="visible"/>
-                                      </p:to>
-                                    </p:set>
-                                    <p:animEffect transition="in" filter="fade">
-                                      <p:cBhvr>
-                                        <p:cTn id="10" dur="2000"/>
-                                        <p:tgtEl>
-                                          <p:spTgt spid="31"/>
-                                        </p:tgtEl>
-                                      </p:cBhvr>
-                                    </p:animEffect>
-                                  </p:childTnLst>
-                                </p:cTn>
-                              </p:par>
                             </p:childTnLst>
                           </p:cTn>
                         </p:par>
@@ -13699,26 +13660,26 @@
                     </p:cTn>
                   </p:par>
                   <p:par>
-                    <p:cTn id="11" fill="hold">
+                    <p:cTn id="8" fill="hold">
                       <p:stCondLst>
                         <p:cond delay="indefinite"/>
                       </p:stCondLst>
                       <p:childTnLst>
                         <p:par>
-                          <p:cTn id="12" fill="hold">
+                          <p:cTn id="9" fill="hold">
                             <p:stCondLst>
                               <p:cond delay="0"/>
                             </p:stCondLst>
                             <p:childTnLst>
                               <p:par>
-                                <p:cTn id="13" presetID="10" presetClass="entr" presetSubtype="0" fill="hold" grpId="0" nodeType="clickEffect">
+                                <p:cTn id="10" presetID="10" presetClass="entr" presetSubtype="0" fill="hold" grpId="0" nodeType="clickEffect">
                                   <p:stCondLst>
                                     <p:cond delay="0"/>
                                   </p:stCondLst>
                                   <p:childTnLst>
                                     <p:set>
                                       <p:cBhvr>
-                                        <p:cTn id="14" dur="1" fill="hold">
+                                        <p:cTn id="11" dur="1" fill="hold">
                                           <p:stCondLst>
                                             <p:cond delay="0"/>
                                           </p:stCondLst>
@@ -13736,9 +13697,44 @@
                                     </p:set>
                                     <p:animEffect transition="in" filter="fade">
                                       <p:cBhvr>
+                                        <p:cTn id="12" dur="2000"/>
+                                        <p:tgtEl>
+                                          <p:spTgt spid="32"/>
+                                        </p:tgtEl>
+                                      </p:cBhvr>
+                                    </p:animEffect>
+                                  </p:childTnLst>
+                                </p:cTn>
+                              </p:par>
+                              <p:par>
+                                <p:cTn id="13" presetID="10" presetClass="entr" presetSubtype="0" fill="hold" grpId="0" nodeType="withEffect">
+                                  <p:stCondLst>
+                                    <p:cond delay="0"/>
+                                  </p:stCondLst>
+                                  <p:childTnLst>
+                                    <p:set>
+                                      <p:cBhvr>
+                                        <p:cTn id="14" dur="1" fill="hold">
+                                          <p:stCondLst>
+                                            <p:cond delay="0"/>
+                                          </p:stCondLst>
+                                        </p:cTn>
+                                        <p:tgtEl>
+                                          <p:spTgt spid="33"/>
+                                        </p:tgtEl>
+                                        <p:attrNameLst>
+                                          <p:attrName>style.visibility</p:attrName>
+                                        </p:attrNameLst>
+                                      </p:cBhvr>
+                                      <p:to>
+                                        <p:strVal val="visible"/>
+                                      </p:to>
+                                    </p:set>
+                                    <p:animEffect transition="in" filter="fade">
+                                      <p:cBhvr>
                                         <p:cTn id="15" dur="2000"/>
                                         <p:tgtEl>
-                                          <p:spTgt spid="32"/>
+                                          <p:spTgt spid="33"/>
                                         </p:tgtEl>
                                       </p:cBhvr>
                                     </p:animEffect>
@@ -13759,7 +13755,7 @@
                                           </p:stCondLst>
                                         </p:cTn>
                                         <p:tgtEl>
-                                          <p:spTgt spid="33"/>
+                                          <p:spTgt spid="21"/>
                                         </p:tgtEl>
                                         <p:attrNameLst>
                                           <p:attrName>style.visibility</p:attrName>
@@ -13773,7 +13769,7 @@
                                       <p:cBhvr>
                                         <p:cTn id="18" dur="2000"/>
                                         <p:tgtEl>
-                                          <p:spTgt spid="33"/>
+                                          <p:spTgt spid="21"/>
                                         </p:tgtEl>
                                       </p:cBhvr>
                                     </p:animEffect>
@@ -13810,8 +13806,8 @@
     <p:bldLst>
       <p:bldP spid="33" grpId="0" animBg="1"/>
       <p:bldP spid="32" grpId="0" animBg="1"/>
-      <p:bldP spid="31" grpId="0" animBg="1"/>
       <p:bldP spid="30" grpId="0" animBg="1"/>
+      <p:bldP spid="21" grpId="0" animBg="1"/>
     </p:bldLst>
   </p:timing>
 </p:sld>
